--- a/1학년2학기/인공신경망/chap01.pptx
+++ b/1학년2학기/인공신경망/chap01.pptx
@@ -300,6 +300,35 @@
 </p:presentation>
 </file>
 
+<file path=ppt/changesInfos/changesInfo1.xml><?xml version="1.0" encoding="utf-8"?>
+<pc:chgInfo xmlns:a="http://schemas.openxmlformats.org/drawingml/2006/main" xmlns:r="http://schemas.openxmlformats.org/officeDocument/2006/relationships" xmlns:ac="http://schemas.microsoft.com/office/drawing/2013/main/command" xmlns:pc="http://schemas.microsoft.com/office/powerpoint/2013/main/command">
+  <pc:docChgLst>
+    <pc:chgData name="명진 정" userId="6f05aac894fca695" providerId="LiveId" clId="{9B845806-FCBE-445F-B6DD-29D8E9B328A6}"/>
+    <pc:docChg chg="modSld">
+      <pc:chgData name="명진 정" userId="6f05aac894fca695" providerId="LiveId" clId="{9B845806-FCBE-445F-B6DD-29D8E9B328A6}" dt="2024-10-28T03:40:07.470" v="2" actId="20577"/>
+      <pc:docMkLst>
+        <pc:docMk/>
+      </pc:docMkLst>
+      <pc:sldChg chg="modSp mod">
+        <pc:chgData name="명진 정" userId="6f05aac894fca695" providerId="LiveId" clId="{9B845806-FCBE-445F-B6DD-29D8E9B328A6}" dt="2024-10-28T03:40:07.470" v="2" actId="20577"/>
+        <pc:sldMkLst>
+          <pc:docMk/>
+          <pc:sldMk cId="2095036623" sldId="267"/>
+        </pc:sldMkLst>
+        <pc:spChg chg="mod">
+          <ac:chgData name="명진 정" userId="6f05aac894fca695" providerId="LiveId" clId="{9B845806-FCBE-445F-B6DD-29D8E9B328A6}" dt="2024-10-28T03:40:07.470" v="2" actId="20577"/>
+          <ac:spMkLst>
+            <pc:docMk/>
+            <pc:sldMk cId="2095036623" sldId="267"/>
+            <ac:spMk id="4" creationId="{00000000-0000-0000-0000-000000000000}"/>
+          </ac:spMkLst>
+        </pc:spChg>
+      </pc:sldChg>
+    </pc:docChg>
+  </pc:docChgLst>
+</pc:chgInfo>
+</file>
+
 <file path=ppt/handoutMasters/handoutMaster1.xml><?xml version="1.0" encoding="utf-8"?>
 <p:handoutMaster xmlns:a="http://schemas.openxmlformats.org/drawingml/2006/main" xmlns:r="http://schemas.openxmlformats.org/officeDocument/2006/relationships" xmlns:p="http://schemas.openxmlformats.org/presentationml/2006/main">
   <p:cSld>
@@ -383,7 +412,7 @@
             <a:fld id="{CD6B0E63-BBCE-42FA-B3A6-5FD535041784}" type="datetimeFigureOut">
               <a:rPr lang="ko-KR" altLang="en-US" smtClean="0"/>
               <a:pPr/>
-              <a:t>2022-04-04</a:t>
+              <a:t>10-28(Mon)</a:t>
             </a:fld>
             <a:endParaRPr lang="ko-KR" altLang="en-US" dirty="0"/>
           </a:p>
@@ -550,7 +579,7 @@
             <a:fld id="{F7D56D40-764E-476E-B5E6-4049846BDF68}" type="datetimeFigureOut">
               <a:rPr lang="en-US" smtClean="0"/>
               <a:pPr/>
-              <a:t>4/4/2022</a:t>
+              <a:t>10/28/2024</a:t>
             </a:fld>
             <a:endParaRPr lang="en-US" dirty="0"/>
           </a:p>
@@ -1108,7 +1137,7 @@
               <a:pPr>
                 <a:defRPr/>
               </a:pPr>
-              <a:t>4/4/2022</a:t>
+              <a:t>10/28/2024</a:t>
             </a:fld>
             <a:endParaRPr lang="en-US" dirty="0"/>
           </a:p>
@@ -1655,7 +1684,7 @@
               <a:pPr>
                 <a:defRPr/>
               </a:pPr>
-              <a:t>4/4/2022</a:t>
+              <a:t>10/28/2024</a:t>
             </a:fld>
             <a:endParaRPr lang="en-US" dirty="0"/>
           </a:p>
@@ -1970,7 +1999,7 @@
               <a:pPr>
                 <a:defRPr/>
               </a:pPr>
-              <a:t>4/4/2022</a:t>
+              <a:t>10/28/2024</a:t>
             </a:fld>
             <a:endParaRPr lang="en-US" dirty="0"/>
           </a:p>
@@ -2119,7 +2148,7 @@
             <a:fld id="{7E81C33E-41CC-7144-9EE9-6BB47BFC27EB}" type="datetime1">
               <a:rPr lang="en-US" smtClean="0"/>
               <a:pPr/>
-              <a:t>4/4/2022</a:t>
+              <a:t>10/28/2024</a:t>
             </a:fld>
             <a:endParaRPr lang="en-US" dirty="0"/>
           </a:p>
@@ -2719,7 +2748,7 @@
             <a:fld id="{51BEBC88-5945-6548-81AC-D1E801230918}" type="datetime1">
               <a:rPr lang="en-US" smtClean="0"/>
               <a:pPr/>
-              <a:t>4/4/2022</a:t>
+              <a:t>10/28/2024</a:t>
             </a:fld>
             <a:endParaRPr lang="en-US" dirty="0"/>
           </a:p>
@@ -2936,7 +2965,7 @@
             <a:fld id="{6917FCC0-BCF1-7F40-94F0-C8B3ACD33893}" type="datetime1">
               <a:rPr lang="en-US" smtClean="0"/>
               <a:pPr/>
-              <a:t>4/4/2022</a:t>
+              <a:t>10/28/2024</a:t>
             </a:fld>
             <a:endParaRPr lang="en-US" dirty="0"/>
           </a:p>
@@ -3057,7 +3086,7 @@
             <a:fld id="{08CA98B9-3ABE-A242-9F6B-DA9BAB124A35}" type="datetime1">
               <a:rPr lang="en-US" smtClean="0"/>
               <a:pPr/>
-              <a:t>4/4/2022</a:t>
+              <a:t>10/28/2024</a:t>
             </a:fld>
             <a:endParaRPr lang="en-US" dirty="0"/>
           </a:p>
@@ -3911,7 +3940,7 @@
             <a:fld id="{51305156-B5F0-8F44-9B3B-B829BD25E71A}" type="datetime1">
               <a:rPr lang="en-US" smtClean="0"/>
               <a:pPr/>
-              <a:t>4/4/2022</a:t>
+              <a:t>10/28/2024</a:t>
             </a:fld>
             <a:endParaRPr lang="en-US" dirty="0"/>
           </a:p>
@@ -4077,7 +4106,7 @@
             <a:fld id="{2DAB5F46-2B7F-5B4D-AD94-C45166DC40CF}" type="datetime1">
               <a:rPr lang="en-US" smtClean="0"/>
               <a:pPr/>
-              <a:t>4/4/2022</a:t>
+              <a:t>10/28/2024</a:t>
             </a:fld>
             <a:endParaRPr lang="en-US" dirty="0"/>
           </a:p>
@@ -4329,7 +4358,7 @@
             <a:fld id="{6E7C3E9F-FCDE-664F-9336-1ABBAA0EA927}" type="datetime1">
               <a:rPr lang="en-US" smtClean="0"/>
               <a:pPr/>
-              <a:t>4/4/2022</a:t>
+              <a:t>10/28/2024</a:t>
             </a:fld>
             <a:endParaRPr lang="en-US" dirty="0"/>
           </a:p>
@@ -4560,7 +4589,7 @@
             <a:fld id="{82E32219-5F3D-7F43-849E-768B69F61FFB}" type="datetime1">
               <a:rPr lang="en-US" smtClean="0"/>
               <a:pPr/>
-              <a:t>4/4/2022</a:t>
+              <a:t>10/28/2024</a:t>
             </a:fld>
             <a:endParaRPr lang="en-US" dirty="0"/>
           </a:p>
@@ -4945,7 +4974,7 @@
             <a:fld id="{704DA2EC-FE51-234C-8874-87F532D5C722}" type="datetime1">
               <a:rPr lang="en-US" smtClean="0"/>
               <a:pPr/>
-              <a:t>4/4/2022</a:t>
+              <a:t>10/28/2024</a:t>
             </a:fld>
             <a:endParaRPr lang="en-US" dirty="0"/>
           </a:p>
@@ -5199,7 +5228,7 @@
             <a:fld id="{2036BB0B-C07A-EF4C-ADBF-B404E3B41965}" type="datetime1">
               <a:rPr lang="en-US" smtClean="0"/>
               <a:pPr/>
-              <a:t>4/4/2022</a:t>
+              <a:t>10/28/2024</a:t>
             </a:fld>
             <a:endParaRPr lang="en-US" dirty="0"/>
           </a:p>
@@ -5369,7 +5398,7 @@
             <a:fld id="{8600531E-1DA2-B34A-93A6-C570B815175C}" type="datetime1">
               <a:rPr lang="en-US" smtClean="0"/>
               <a:pPr/>
-              <a:t>4/4/2022</a:t>
+              <a:t>10/28/2024</a:t>
             </a:fld>
             <a:endParaRPr lang="en-US" dirty="0"/>
           </a:p>
@@ -5549,7 +5578,7 @@
             <a:fld id="{932E4664-5CFD-1A4D-9B41-76CFD729FE90}" type="datetime1">
               <a:rPr lang="en-US" smtClean="0"/>
               <a:pPr/>
-              <a:t>4/4/2022</a:t>
+              <a:t>10/28/2024</a:t>
             </a:fld>
             <a:endParaRPr lang="en-US" dirty="0"/>
           </a:p>
@@ -6021,7 +6050,7 @@
             <a:fld id="{82E32219-5F3D-7F43-849E-768B69F61FFB}" type="datetime1">
               <a:rPr lang="en-US" smtClean="0"/>
               <a:pPr/>
-              <a:t>4/4/2022</a:t>
+              <a:t>10/28/2024</a:t>
             </a:fld>
             <a:endParaRPr lang="en-US" dirty="0"/>
           </a:p>
@@ -6247,7 +6276,7 @@
                 </a:solidFill>
               </a:rPr>
               <a:pPr/>
-              <a:t>4/4/2022</a:t>
+              <a:t>10/28/2024</a:t>
             </a:fld>
             <a:endParaRPr lang="en-US" dirty="0">
               <a:solidFill>
@@ -6873,7 +6902,7 @@
                 </a:solidFill>
               </a:rPr>
               <a:pPr/>
-              <a:t>4/4/2022</a:t>
+              <a:t>10/28/2024</a:t>
             </a:fld>
             <a:endParaRPr lang="en-US" dirty="0">
               <a:solidFill>
@@ -7396,7 +7425,7 @@
                 </a:solidFill>
               </a:rPr>
               <a:pPr/>
-              <a:t>4/4/2022</a:t>
+              <a:t>10/28/2024</a:t>
             </a:fld>
             <a:endParaRPr lang="en-US" dirty="0">
               <a:solidFill>
@@ -7706,7 +7735,7 @@
               <a:pPr>
                 <a:defRPr/>
               </a:pPr>
-              <a:t>4/4/2022</a:t>
+              <a:t>10/28/2024</a:t>
             </a:fld>
             <a:endParaRPr lang="en-US" dirty="0">
               <a:solidFill>
@@ -8024,7 +8053,7 @@
               <a:pPr>
                 <a:defRPr/>
               </a:pPr>
-              <a:t>4/4/2022</a:t>
+              <a:t>10/28/2024</a:t>
             </a:fld>
             <a:endParaRPr lang="en-US" dirty="0">
               <a:solidFill>
@@ -8615,7 +8644,7 @@
               <a:pPr>
                 <a:defRPr/>
               </a:pPr>
-              <a:t>4/4/2022</a:t>
+              <a:t>10/28/2024</a:t>
             </a:fld>
             <a:endParaRPr lang="en-US" dirty="0">
               <a:solidFill>
@@ -8974,7 +9003,7 @@
               <a:pPr>
                 <a:defRPr/>
               </a:pPr>
-              <a:t>4/4/2022</a:t>
+              <a:t>10/28/2024</a:t>
             </a:fld>
             <a:endParaRPr lang="en-US" dirty="0">
               <a:solidFill>
@@ -9162,7 +9191,7 @@
                 </a:solidFill>
               </a:rPr>
               <a:pPr/>
-              <a:t>4/4/2022</a:t>
+              <a:t>10/28/2024</a:t>
             </a:fld>
             <a:endParaRPr lang="en-US" dirty="0">
               <a:solidFill>
@@ -9796,7 +9825,7 @@
                 </a:solidFill>
               </a:rPr>
               <a:pPr/>
-              <a:t>4/4/2022</a:t>
+              <a:t>10/28/2024</a:t>
             </a:fld>
             <a:endParaRPr lang="en-US" dirty="0">
               <a:solidFill>
@@ -10076,7 +10105,7 @@
             <a:fld id="{64862BFA-C828-2446-9B72-82AD7C7C4D28}" type="datetime1">
               <a:rPr lang="en-US" smtClean="0"/>
               <a:pPr/>
-              <a:t>4/4/2022</a:t>
+              <a:t>10/28/2024</a:t>
             </a:fld>
             <a:endParaRPr lang="en-US" dirty="0"/>
           </a:p>
@@ -10305,7 +10334,7 @@
                 </a:solidFill>
               </a:rPr>
               <a:pPr/>
-              <a:t>4/4/2022</a:t>
+              <a:t>10/28/2024</a:t>
             </a:fld>
             <a:endParaRPr lang="en-US" dirty="0">
               <a:solidFill>
@@ -10470,7 +10499,7 @@
                 </a:solidFill>
               </a:rPr>
               <a:pPr/>
-              <a:t>4/4/2022</a:t>
+              <a:t>10/28/2024</a:t>
             </a:fld>
             <a:endParaRPr lang="en-US" dirty="0">
               <a:solidFill>
@@ -11368,7 +11397,7 @@
                 </a:solidFill>
               </a:rPr>
               <a:pPr/>
-              <a:t>4/4/2022</a:t>
+              <a:t>10/28/2024</a:t>
             </a:fld>
             <a:endParaRPr lang="en-US" dirty="0">
               <a:solidFill>
@@ -11578,7 +11607,7 @@
                 </a:solidFill>
               </a:rPr>
               <a:pPr/>
-              <a:t>4/4/2022</a:t>
+              <a:t>10/28/2024</a:t>
             </a:fld>
             <a:endParaRPr lang="en-US" dirty="0">
               <a:solidFill>
@@ -11869,7 +11898,7 @@
                 </a:solidFill>
               </a:rPr>
               <a:pPr/>
-              <a:t>4/4/2022</a:t>
+              <a:t>10/28/2024</a:t>
             </a:fld>
             <a:endParaRPr lang="en-US" dirty="0">
               <a:solidFill>
@@ -12400,7 +12429,7 @@
                 </a:solidFill>
               </a:rPr>
               <a:pPr/>
-              <a:t>4/4/2022</a:t>
+              <a:t>10/28/2024</a:t>
             </a:fld>
             <a:endParaRPr lang="en-US" dirty="0">
               <a:solidFill>
@@ -12698,7 +12727,7 @@
                 </a:solidFill>
               </a:rPr>
               <a:pPr/>
-              <a:t>4/4/2022</a:t>
+              <a:t>10/28/2024</a:t>
             </a:fld>
             <a:endParaRPr lang="en-US" dirty="0">
               <a:solidFill>
@@ -12912,7 +12941,7 @@
                 </a:solidFill>
               </a:rPr>
               <a:pPr/>
-              <a:t>4/4/2022</a:t>
+              <a:t>10/28/2024</a:t>
             </a:fld>
             <a:endParaRPr lang="en-US" dirty="0">
               <a:solidFill>
@@ -13142,7 +13171,7 @@
             <a:fld id="{64862BFA-C828-2446-9B72-82AD7C7C4D28}" type="datetime1">
               <a:rPr lang="en-US" smtClean="0"/>
               <a:pPr/>
-              <a:t>4/4/2022</a:t>
+              <a:t>10/28/2024</a:t>
             </a:fld>
             <a:endParaRPr lang="en-US" dirty="0"/>
           </a:p>
@@ -13345,7 +13374,7 @@
                 </a:solidFill>
               </a:rPr>
               <a:pPr/>
-              <a:t>4/4/2022</a:t>
+              <a:t>10/28/2024</a:t>
             </a:fld>
             <a:endParaRPr lang="en-US" dirty="0">
               <a:solidFill>
@@ -13940,7 +13969,7 @@
             <a:fld id="{EF40C587-CD89-8C40-AE01-36B25C2FD636}" type="datetime1">
               <a:rPr lang="en-US" smtClean="0"/>
               <a:pPr/>
-              <a:t>4/4/2022</a:t>
+              <a:t>10/28/2024</a:t>
             </a:fld>
             <a:endParaRPr lang="en-US" dirty="0"/>
           </a:p>
@@ -14419,7 +14448,7 @@
             <a:fld id="{4234BB27-D512-944F-BD47-D639527B0043}" type="datetime1">
               <a:rPr lang="en-US" smtClean="0"/>
               <a:pPr/>
-              <a:t>4/4/2022</a:t>
+              <a:t>10/28/2024</a:t>
             </a:fld>
             <a:endParaRPr lang="en-US" dirty="0"/>
           </a:p>
@@ -14685,7 +14714,7 @@
               <a:pPr>
                 <a:defRPr/>
               </a:pPr>
-              <a:t>4/4/2022</a:t>
+              <a:t>10/28/2024</a:t>
             </a:fld>
             <a:endParaRPr lang="en-US" dirty="0"/>
           </a:p>
@@ -14921,7 +14950,7 @@
             <a:fld id="{64F5F5AC-42C6-7943-932B-3849F0E3EB5C}" type="datetime1">
               <a:rPr lang="en-US" smtClean="0"/>
               <a:pPr/>
-              <a:t>4/4/2022</a:t>
+              <a:t>10/28/2024</a:t>
             </a:fld>
             <a:endParaRPr lang="en-US" dirty="0"/>
           </a:p>
@@ -15869,7 +15898,7 @@
                   <a:schemeClr val="tx2"/>
                 </a:solidFill>
               </a:rPr>
-              <a:t>딥러닝 시작을 위한 준비 운동</a:t>
+              <a:t>딥러닝 시작을 위한    준비 운동</a:t>
             </a:r>
             <a:endParaRPr lang="en-US" sz="5400" dirty="0">
               <a:solidFill>
